--- a/Razrabotka_PO_PresentationV5.pptx
+++ b/Razrabotka_PO_PresentationV5.pptx
@@ -218,7 +218,7 @@
           <a:p>
             <a:fld id="{7F8B07B9-F10F-413E-A470-D703C020B922}" type="datetimeFigureOut">
               <a:rPr lang="ru-RU" smtClean="0"/>
-              <a:t>17.06.2022</a:t>
+              <a:t>19.06.2022</a:t>
             </a:fld>
             <a:endParaRPr lang="ru-RU"/>
           </a:p>
@@ -780,7 +780,7 @@
           <a:p>
             <a:fld id="{C720391F-E579-48AE-A1A2-0018585D9E58}" type="datetime1">
               <a:rPr lang="ru-RU" smtClean="0"/>
-              <a:t>17.06.2022</a:t>
+              <a:t>19.06.2022</a:t>
             </a:fld>
             <a:endParaRPr lang="ru-RU"/>
           </a:p>
@@ -990,7 +990,7 @@
           <a:p>
             <a:fld id="{B89D08E3-5ADE-45DE-A004-4EF0522A1957}" type="datetime1">
               <a:rPr lang="ru-RU" smtClean="0"/>
-              <a:t>17.06.2022</a:t>
+              <a:t>19.06.2022</a:t>
             </a:fld>
             <a:endParaRPr lang="ru-RU"/>
           </a:p>
@@ -1170,7 +1170,7 @@
           <a:p>
             <a:fld id="{A278D37E-E0DA-4DCA-877F-096B9AD156D6}" type="datetime1">
               <a:rPr lang="ru-RU" smtClean="0"/>
-              <a:t>17.06.2022</a:t>
+              <a:t>19.06.2022</a:t>
             </a:fld>
             <a:endParaRPr lang="ru-RU"/>
           </a:p>
@@ -1340,7 +1340,7 @@
           <a:p>
             <a:fld id="{B60D5631-6A28-4EEA-B5CC-E3F863B0C810}" type="datetime1">
               <a:rPr lang="ru-RU" smtClean="0"/>
-              <a:t>17.06.2022</a:t>
+              <a:t>19.06.2022</a:t>
             </a:fld>
             <a:endParaRPr lang="ru-RU"/>
           </a:p>
@@ -1594,7 +1594,7 @@
           <a:p>
             <a:fld id="{1CCF636E-61A9-4583-92EF-DA96B5CC3BEA}" type="datetime1">
               <a:rPr lang="ru-RU" smtClean="0"/>
-              <a:t>17.06.2022</a:t>
+              <a:t>19.06.2022</a:t>
             </a:fld>
             <a:endParaRPr lang="ru-RU"/>
           </a:p>
@@ -1920,7 +1920,7 @@
           <a:p>
             <a:fld id="{922C93F1-21AD-491A-AD97-2A7C68855C42}" type="datetime1">
               <a:rPr lang="ru-RU" smtClean="0"/>
-              <a:t>17.06.2022</a:t>
+              <a:t>19.06.2022</a:t>
             </a:fld>
             <a:endParaRPr lang="ru-RU"/>
           </a:p>
@@ -2371,7 +2371,7 @@
           <a:p>
             <a:fld id="{BE20EFB8-AE89-435D-ADBF-8706178973A6}" type="datetime1">
               <a:rPr lang="ru-RU" smtClean="0"/>
-              <a:t>17.06.2022</a:t>
+              <a:t>19.06.2022</a:t>
             </a:fld>
             <a:endParaRPr lang="ru-RU"/>
           </a:p>
@@ -2489,7 +2489,7 @@
           <a:p>
             <a:fld id="{CE192364-13FB-44D3-BF72-06C25BB3C6E4}" type="datetime1">
               <a:rPr lang="ru-RU" smtClean="0"/>
-              <a:t>17.06.2022</a:t>
+              <a:t>19.06.2022</a:t>
             </a:fld>
             <a:endParaRPr lang="ru-RU"/>
           </a:p>
@@ -2584,7 +2584,7 @@
           <a:p>
             <a:fld id="{F2D6BC96-6158-410D-A31B-D4406A82DA3B}" type="datetime1">
               <a:rPr lang="ru-RU" smtClean="0"/>
-              <a:t>17.06.2022</a:t>
+              <a:t>19.06.2022</a:t>
             </a:fld>
             <a:endParaRPr lang="ru-RU"/>
           </a:p>
@@ -2871,7 +2871,7 @@
           <a:p>
             <a:fld id="{D2CB2787-2623-4C34-8C9A-385A7EED86CC}" type="datetime1">
               <a:rPr lang="ru-RU" smtClean="0"/>
-              <a:t>17.06.2022</a:t>
+              <a:t>19.06.2022</a:t>
             </a:fld>
             <a:endParaRPr lang="ru-RU"/>
           </a:p>
@@ -3189,7 +3189,7 @@
           <a:p>
             <a:fld id="{9F48D588-A8A4-4648-A655-8F003B0A775C}" type="datetime1">
               <a:rPr lang="ru-RU" smtClean="0"/>
-              <a:t>17.06.2022</a:t>
+              <a:t>19.06.2022</a:t>
             </a:fld>
             <a:endParaRPr lang="ru-RU"/>
           </a:p>
@@ -3441,7 +3441,7 @@
           <a:p>
             <a:fld id="{BFE30F2D-4D74-4ACE-9EBE-45B25004DF60}" type="datetime1">
               <a:rPr lang="ru-RU" smtClean="0"/>
-              <a:t>17.06.2022</a:t>
+              <a:t>19.06.2022</a:t>
             </a:fld>
             <a:endParaRPr lang="ru-RU"/>
           </a:p>
@@ -4807,7 +4807,7 @@
                 <a:ea typeface="Calibri" panose="020F0502020204030204" pitchFamily="34" charset="0"/>
                 <a:cs typeface="Times New Roman" panose="02020603050405020304" pitchFamily="18" charset="0"/>
               </a:rPr>
-              <a:t>Спроектировать разрабатываемую систему.</a:t>
+              <a:t>Спроектировать разрабатываемое программное обеспечение.</a:t>
             </a:r>
           </a:p>
           <a:p>
@@ -5641,7 +5641,9 @@
           </a:xfrm>
         </p:spPr>
         <p:txBody>
-          <a:bodyPr/>
+          <a:bodyPr>
+            <a:normAutofit fontScale="90000"/>
+          </a:bodyPr>
           <a:lstStyle/>
           <a:p>
             <a:pPr algn="ctr"/>
@@ -5650,7 +5652,7 @@
                 <a:latin typeface="Times New Roman" panose="02020603050405020304" pitchFamily="18" charset="0"/>
                 <a:cs typeface="Times New Roman" panose="02020603050405020304" pitchFamily="18" charset="0"/>
               </a:rPr>
-              <a:t>Архитектура приложения</a:t>
+              <a:t>Архитектура программного обеспечения</a:t>
             </a:r>
           </a:p>
         </p:txBody>
@@ -5802,31 +5804,6 @@
               <a:t>6</a:t>
             </a:fld>
             <a:endParaRPr lang="ru-RU"/>
-          </a:p>
-        </p:txBody>
-      </p:sp>
-      <p:sp>
-        <p:nvSpPr>
-          <p:cNvPr id="8" name="Объект 7">
-            <a:extLst>
-              <a:ext uri="{FF2B5EF4-FFF2-40B4-BE49-F238E27FC236}">
-                <a16:creationId xmlns:a16="http://schemas.microsoft.com/office/drawing/2014/main" id="{6EAAFA59-49B4-4D9E-A399-A4885B3AD12B}"/>
-              </a:ext>
-            </a:extLst>
-          </p:cNvPr>
-          <p:cNvSpPr>
-            <a:spLocks noGrp="1"/>
-          </p:cNvSpPr>
-          <p:nvPr>
-            <p:ph idx="1"/>
-          </p:nvPr>
-        </p:nvSpPr>
-        <p:spPr/>
-        <p:txBody>
-          <a:bodyPr/>
-          <a:lstStyle/>
-          <a:p>
-            <a:endParaRPr lang="ru-RU" dirty="0"/>
           </a:p>
         </p:txBody>
       </p:sp>

--- a/Razrabotka_PO_PresentationV5.pptx
+++ b/Razrabotka_PO_PresentationV5.pptx
@@ -5,20 +5,21 @@
     <p:sldMasterId id="2147483684" r:id="rId1"/>
   </p:sldMasterIdLst>
   <p:notesMasterIdLst>
-    <p:notesMasterId r:id="rId13"/>
+    <p:notesMasterId r:id="rId14"/>
   </p:notesMasterIdLst>
   <p:sldIdLst>
     <p:sldId id="256" r:id="rId2"/>
     <p:sldId id="258" r:id="rId3"/>
     <p:sldId id="264" r:id="rId4"/>
-    <p:sldId id="259" r:id="rId5"/>
-    <p:sldId id="268" r:id="rId6"/>
-    <p:sldId id="273" r:id="rId7"/>
-    <p:sldId id="270" r:id="rId8"/>
-    <p:sldId id="271" r:id="rId9"/>
-    <p:sldId id="265" r:id="rId10"/>
-    <p:sldId id="261" r:id="rId11"/>
-    <p:sldId id="272" r:id="rId12"/>
+    <p:sldId id="274" r:id="rId5"/>
+    <p:sldId id="259" r:id="rId6"/>
+    <p:sldId id="268" r:id="rId7"/>
+    <p:sldId id="273" r:id="rId8"/>
+    <p:sldId id="270" r:id="rId9"/>
+    <p:sldId id="271" r:id="rId10"/>
+    <p:sldId id="265" r:id="rId11"/>
+    <p:sldId id="261" r:id="rId12"/>
+    <p:sldId id="272" r:id="rId13"/>
   </p:sldIdLst>
   <p:sldSz cx="12192000" cy="6858000"/>
   <p:notesSz cx="6858000" cy="9144000"/>
@@ -218,7 +219,7 @@
           <a:p>
             <a:fld id="{7F8B07B9-F10F-413E-A470-D703C020B922}" type="datetimeFigureOut">
               <a:rPr lang="ru-RU" smtClean="0"/>
-              <a:t>19.06.2022</a:t>
+              <a:t>21.06.2022</a:t>
             </a:fld>
             <a:endParaRPr lang="ru-RU"/>
           </a:p>
@@ -780,7 +781,7 @@
           <a:p>
             <a:fld id="{C720391F-E579-48AE-A1A2-0018585D9E58}" type="datetime1">
               <a:rPr lang="ru-RU" smtClean="0"/>
-              <a:t>19.06.2022</a:t>
+              <a:t>21.06.2022</a:t>
             </a:fld>
             <a:endParaRPr lang="ru-RU"/>
           </a:p>
@@ -990,7 +991,7 @@
           <a:p>
             <a:fld id="{B89D08E3-5ADE-45DE-A004-4EF0522A1957}" type="datetime1">
               <a:rPr lang="ru-RU" smtClean="0"/>
-              <a:t>19.06.2022</a:t>
+              <a:t>21.06.2022</a:t>
             </a:fld>
             <a:endParaRPr lang="ru-RU"/>
           </a:p>
@@ -1170,7 +1171,7 @@
           <a:p>
             <a:fld id="{A278D37E-E0DA-4DCA-877F-096B9AD156D6}" type="datetime1">
               <a:rPr lang="ru-RU" smtClean="0"/>
-              <a:t>19.06.2022</a:t>
+              <a:t>21.06.2022</a:t>
             </a:fld>
             <a:endParaRPr lang="ru-RU"/>
           </a:p>
@@ -1340,7 +1341,7 @@
           <a:p>
             <a:fld id="{B60D5631-6A28-4EEA-B5CC-E3F863B0C810}" type="datetime1">
               <a:rPr lang="ru-RU" smtClean="0"/>
-              <a:t>19.06.2022</a:t>
+              <a:t>21.06.2022</a:t>
             </a:fld>
             <a:endParaRPr lang="ru-RU"/>
           </a:p>
@@ -1594,7 +1595,7 @@
           <a:p>
             <a:fld id="{1CCF636E-61A9-4583-92EF-DA96B5CC3BEA}" type="datetime1">
               <a:rPr lang="ru-RU" smtClean="0"/>
-              <a:t>19.06.2022</a:t>
+              <a:t>21.06.2022</a:t>
             </a:fld>
             <a:endParaRPr lang="ru-RU"/>
           </a:p>
@@ -1920,7 +1921,7 @@
           <a:p>
             <a:fld id="{922C93F1-21AD-491A-AD97-2A7C68855C42}" type="datetime1">
               <a:rPr lang="ru-RU" smtClean="0"/>
-              <a:t>19.06.2022</a:t>
+              <a:t>21.06.2022</a:t>
             </a:fld>
             <a:endParaRPr lang="ru-RU"/>
           </a:p>
@@ -2371,7 +2372,7 @@
           <a:p>
             <a:fld id="{BE20EFB8-AE89-435D-ADBF-8706178973A6}" type="datetime1">
               <a:rPr lang="ru-RU" smtClean="0"/>
-              <a:t>19.06.2022</a:t>
+              <a:t>21.06.2022</a:t>
             </a:fld>
             <a:endParaRPr lang="ru-RU"/>
           </a:p>
@@ -2489,7 +2490,7 @@
           <a:p>
             <a:fld id="{CE192364-13FB-44D3-BF72-06C25BB3C6E4}" type="datetime1">
               <a:rPr lang="ru-RU" smtClean="0"/>
-              <a:t>19.06.2022</a:t>
+              <a:t>21.06.2022</a:t>
             </a:fld>
             <a:endParaRPr lang="ru-RU"/>
           </a:p>
@@ -2584,7 +2585,7 @@
           <a:p>
             <a:fld id="{F2D6BC96-6158-410D-A31B-D4406A82DA3B}" type="datetime1">
               <a:rPr lang="ru-RU" smtClean="0"/>
-              <a:t>19.06.2022</a:t>
+              <a:t>21.06.2022</a:t>
             </a:fld>
             <a:endParaRPr lang="ru-RU"/>
           </a:p>
@@ -2871,7 +2872,7 @@
           <a:p>
             <a:fld id="{D2CB2787-2623-4C34-8C9A-385A7EED86CC}" type="datetime1">
               <a:rPr lang="ru-RU" smtClean="0"/>
-              <a:t>19.06.2022</a:t>
+              <a:t>21.06.2022</a:t>
             </a:fld>
             <a:endParaRPr lang="ru-RU"/>
           </a:p>
@@ -3189,7 +3190,7 @@
           <a:p>
             <a:fld id="{9F48D588-A8A4-4648-A655-8F003B0A775C}" type="datetime1">
               <a:rPr lang="ru-RU" smtClean="0"/>
-              <a:t>19.06.2022</a:t>
+              <a:t>21.06.2022</a:t>
             </a:fld>
             <a:endParaRPr lang="ru-RU"/>
           </a:p>
@@ -3441,7 +3442,7 @@
           <a:p>
             <a:fld id="{BFE30F2D-4D74-4ACE-9EBE-45B25004DF60}" type="datetime1">
               <a:rPr lang="ru-RU" smtClean="0"/>
-              <a:t>19.06.2022</a:t>
+              <a:t>21.06.2022</a:t>
             </a:fld>
             <a:endParaRPr lang="ru-RU"/>
           </a:p>
@@ -4096,7 +4097,7 @@
           <p:cNvPr id="2" name="Заголовок 1">
             <a:extLst>
               <a:ext uri="{FF2B5EF4-FFF2-40B4-BE49-F238E27FC236}">
-                <a16:creationId xmlns:a16="http://schemas.microsoft.com/office/drawing/2014/main" id="{A21C327C-3781-4ABB-B6A5-42B89FA685D9}"/>
+                <a16:creationId xmlns:a16="http://schemas.microsoft.com/office/drawing/2014/main" id="{9EB3B7E4-2D35-483F-B9AC-05D94C590133}"/>
               </a:ext>
             </a:extLst>
           </p:cNvPr>
@@ -4117,7 +4118,7 @@
                 <a:latin typeface="Times New Roman" panose="02020603050405020304" pitchFamily="18" charset="0"/>
                 <a:cs typeface="Times New Roman" panose="02020603050405020304" pitchFamily="18" charset="0"/>
               </a:rPr>
-              <a:t>Используемые технологии</a:t>
+              <a:t>Возможности программы:</a:t>
             </a:r>
           </a:p>
         </p:txBody>
@@ -4127,7 +4128,7 @@
           <p:cNvPr id="3" name="Объект 2">
             <a:extLst>
               <a:ext uri="{FF2B5EF4-FFF2-40B4-BE49-F238E27FC236}">
-                <a16:creationId xmlns:a16="http://schemas.microsoft.com/office/drawing/2014/main" id="{9D20C158-CEA8-458D-B314-EA2E0AF80FA7}"/>
+                <a16:creationId xmlns:a16="http://schemas.microsoft.com/office/drawing/2014/main" id="{114DCCD4-7B7A-4FB8-A9CB-FDD6387E833A}"/>
               </a:ext>
             </a:extLst>
           </p:cNvPr>
@@ -4147,6 +4148,16 @@
           <a:p>
             <a:pPr algn="just"/>
             <a:r>
+              <a:rPr lang="ru-RU" sz="2400" dirty="0">
+                <a:solidFill>
+                  <a:schemeClr val="tx1"/>
+                </a:solidFill>
+                <a:latin typeface="Times New Roman" panose="02020603050405020304" pitchFamily="18" charset="0"/>
+                <a:cs typeface="Times New Roman" panose="02020603050405020304" pitchFamily="18" charset="0"/>
+              </a:rPr>
+              <a:t>Создание и изменение планов резервирования</a:t>
+            </a:r>
+            <a:r>
               <a:rPr lang="en-US" sz="2400" dirty="0">
                 <a:solidFill>
                   <a:schemeClr val="tx1"/>
@@ -4154,28 +4165,44 @@
                 <a:latin typeface="Times New Roman" panose="02020603050405020304" pitchFamily="18" charset="0"/>
                 <a:cs typeface="Times New Roman" panose="02020603050405020304" pitchFamily="18" charset="0"/>
               </a:rPr>
-              <a:t>C#</a:t>
+              <a:t>,</a:t>
+            </a:r>
+            <a:r>
+              <a:rPr lang="ru-RU" sz="2400" dirty="0">
+                <a:solidFill>
+                  <a:schemeClr val="tx1"/>
+                </a:solidFill>
+                <a:latin typeface="Times New Roman" panose="02020603050405020304" pitchFamily="18" charset="0"/>
+                <a:cs typeface="Times New Roman" panose="02020603050405020304" pitchFamily="18" charset="0"/>
+              </a:rPr>
+              <a:t>  восстановление данных. </a:t>
             </a:r>
           </a:p>
           <a:p>
             <a:pPr algn="just"/>
             <a:r>
-              <a:rPr lang="en-US" sz="2400" dirty="0">
+              <a:rPr lang="ru-RU" sz="2400" dirty="0">
                 <a:solidFill>
                   <a:schemeClr val="tx1"/>
                 </a:solidFill>
                 <a:latin typeface="Times New Roman" panose="02020603050405020304" pitchFamily="18" charset="0"/>
                 <a:cs typeface="Times New Roman" panose="02020603050405020304" pitchFamily="18" charset="0"/>
               </a:rPr>
-              <a:t>Windows Forms</a:t>
-            </a:r>
-            <a:endParaRPr lang="ru-RU" sz="2400" dirty="0">
-              <a:solidFill>
-                <a:schemeClr val="tx1"/>
-              </a:solidFill>
-              <a:latin typeface="Times New Roman" panose="02020603050405020304" pitchFamily="18" charset="0"/>
-              <a:cs typeface="Times New Roman" panose="02020603050405020304" pitchFamily="18" charset="0"/>
-            </a:endParaRPr>
+              <a:t>Отправка данных на удаленный компьютер. </a:t>
+            </a:r>
+          </a:p>
+          <a:p>
+            <a:pPr algn="just"/>
+            <a:r>
+              <a:rPr lang="ru-RU" sz="2400" dirty="0">
+                <a:solidFill>
+                  <a:schemeClr val="tx1"/>
+                </a:solidFill>
+                <a:latin typeface="Times New Roman" panose="02020603050405020304" pitchFamily="18" charset="0"/>
+                <a:cs typeface="Times New Roman" panose="02020603050405020304" pitchFamily="18" charset="0"/>
+              </a:rPr>
+              <a:t>Централизованное управление заданиями.</a:t>
+            </a:r>
           </a:p>
         </p:txBody>
       </p:sp>
@@ -4184,7 +4211,7 @@
           <p:cNvPr id="4" name="Slide Number Placeholder 3">
             <a:extLst>
               <a:ext uri="{FF2B5EF4-FFF2-40B4-BE49-F238E27FC236}">
-                <a16:creationId xmlns:a16="http://schemas.microsoft.com/office/drawing/2014/main" id="{DB31A652-DAFF-C75C-4AE4-5940C18DD0C9}"/>
+                <a16:creationId xmlns:a16="http://schemas.microsoft.com/office/drawing/2014/main" id="{514A932E-D663-2553-85F7-13ECE82061E8}"/>
               </a:ext>
             </a:extLst>
           </p:cNvPr>
@@ -4213,7 +4240,7 @@
     </p:spTree>
     <p:extLst>
       <p:ext uri="{BB962C8B-B14F-4D97-AF65-F5344CB8AC3E}">
-        <p14:creationId xmlns:p14="http://schemas.microsoft.com/office/powerpoint/2010/main" val="238568568"/>
+        <p14:creationId xmlns:p14="http://schemas.microsoft.com/office/powerpoint/2010/main" val="3404621922"/>
       </p:ext>
     </p:extLst>
   </p:cSld>
@@ -4242,6 +4269,323 @@
       </p:grpSpPr>
       <p:sp>
         <p:nvSpPr>
+          <p:cNvPr id="2" name="Заголовок 1">
+            <a:extLst>
+              <a:ext uri="{FF2B5EF4-FFF2-40B4-BE49-F238E27FC236}">
+                <a16:creationId xmlns:a16="http://schemas.microsoft.com/office/drawing/2014/main" id="{A21C327C-3781-4ABB-B6A5-42B89FA685D9}"/>
+              </a:ext>
+            </a:extLst>
+          </p:cNvPr>
+          <p:cNvSpPr>
+            <a:spLocks noGrp="1"/>
+          </p:cNvSpPr>
+          <p:nvPr>
+            <p:ph type="title"/>
+          </p:nvPr>
+        </p:nvSpPr>
+        <p:spPr/>
+        <p:txBody>
+          <a:bodyPr/>
+          <a:lstStyle/>
+          <a:p>
+            <a:r>
+              <a:rPr lang="ru-RU" dirty="0">
+                <a:latin typeface="Times New Roman" panose="02020603050405020304" pitchFamily="18" charset="0"/>
+                <a:cs typeface="Times New Roman" panose="02020603050405020304" pitchFamily="18" charset="0"/>
+              </a:rPr>
+              <a:t>Используемые технологии</a:t>
+            </a:r>
+          </a:p>
+        </p:txBody>
+      </p:sp>
+      <p:sp>
+        <p:nvSpPr>
+          <p:cNvPr id="3" name="Объект 2">
+            <a:extLst>
+              <a:ext uri="{FF2B5EF4-FFF2-40B4-BE49-F238E27FC236}">
+                <a16:creationId xmlns:a16="http://schemas.microsoft.com/office/drawing/2014/main" id="{9D20C158-CEA8-458D-B314-EA2E0AF80FA7}"/>
+              </a:ext>
+            </a:extLst>
+          </p:cNvPr>
+          <p:cNvSpPr>
+            <a:spLocks noGrp="1"/>
+          </p:cNvSpPr>
+          <p:nvPr>
+            <p:ph idx="1"/>
+          </p:nvPr>
+        </p:nvSpPr>
+        <p:spPr>
+          <a:xfrm>
+            <a:off x="1261872" y="1828800"/>
+            <a:ext cx="8595360" cy="4677508"/>
+          </a:xfrm>
+        </p:spPr>
+        <p:txBody>
+          <a:bodyPr>
+            <a:normAutofit/>
+          </a:bodyPr>
+          <a:lstStyle/>
+          <a:p>
+            <a:pPr algn="just"/>
+            <a:r>
+              <a:rPr lang="en-US" sz="2400" dirty="0">
+                <a:solidFill>
+                  <a:schemeClr val="tx1"/>
+                </a:solidFill>
+                <a:latin typeface="Times New Roman" panose="02020603050405020304" pitchFamily="18" charset="0"/>
+                <a:cs typeface="Times New Roman" panose="02020603050405020304" pitchFamily="18" charset="0"/>
+              </a:rPr>
+              <a:t>C#</a:t>
+            </a:r>
+          </a:p>
+          <a:p>
+            <a:pPr algn="just"/>
+            <a:r>
+              <a:rPr lang="en-US" sz="2400" dirty="0">
+                <a:solidFill>
+                  <a:schemeClr val="tx1"/>
+                </a:solidFill>
+                <a:latin typeface="Times New Roman" panose="02020603050405020304" pitchFamily="18" charset="0"/>
+                <a:cs typeface="Times New Roman" panose="02020603050405020304" pitchFamily="18" charset="0"/>
+              </a:rPr>
+              <a:t>Windows Forms</a:t>
+            </a:r>
+            <a:endParaRPr lang="ru-RU" sz="2400" dirty="0">
+              <a:solidFill>
+                <a:schemeClr val="tx1"/>
+              </a:solidFill>
+              <a:latin typeface="Times New Roman" panose="02020603050405020304" pitchFamily="18" charset="0"/>
+              <a:cs typeface="Times New Roman" panose="02020603050405020304" pitchFamily="18" charset="0"/>
+            </a:endParaRPr>
+          </a:p>
+          <a:p>
+            <a:pPr algn="just"/>
+            <a:r>
+              <a:rPr lang="en-US" sz="2400" dirty="0">
+                <a:solidFill>
+                  <a:schemeClr val="tx1"/>
+                </a:solidFill>
+                <a:latin typeface="Times New Roman" panose="02020603050405020304" pitchFamily="18" charset="0"/>
+                <a:cs typeface="Times New Roman" panose="02020603050405020304" pitchFamily="18" charset="0"/>
+              </a:rPr>
+              <a:t>Microsoft SQL Server</a:t>
+            </a:r>
+            <a:endParaRPr lang="ru-RU" sz="2400" dirty="0">
+              <a:solidFill>
+                <a:schemeClr val="tx1"/>
+              </a:solidFill>
+              <a:latin typeface="Times New Roman" panose="02020603050405020304" pitchFamily="18" charset="0"/>
+              <a:cs typeface="Times New Roman" panose="02020603050405020304" pitchFamily="18" charset="0"/>
+            </a:endParaRPr>
+          </a:p>
+          <a:p>
+            <a:pPr algn="just"/>
+            <a:r>
+              <a:rPr lang="en-US" sz="2400" dirty="0">
+                <a:solidFill>
+                  <a:schemeClr val="tx1"/>
+                </a:solidFill>
+                <a:latin typeface="Times New Roman" panose="02020603050405020304" pitchFamily="18" charset="0"/>
+                <a:cs typeface="Times New Roman" panose="02020603050405020304" pitchFamily="18" charset="0"/>
+              </a:rPr>
+              <a:t>PostgreSQL</a:t>
+            </a:r>
+            <a:endParaRPr lang="ru-RU" sz="2400" dirty="0">
+              <a:solidFill>
+                <a:schemeClr val="tx1"/>
+              </a:solidFill>
+              <a:latin typeface="Times New Roman" panose="02020603050405020304" pitchFamily="18" charset="0"/>
+              <a:cs typeface="Times New Roman" panose="02020603050405020304" pitchFamily="18" charset="0"/>
+            </a:endParaRPr>
+          </a:p>
+          <a:p>
+            <a:pPr algn="just"/>
+            <a:r>
+              <a:rPr lang="ru-RU" sz="2400" dirty="0">
+                <a:solidFill>
+                  <a:schemeClr val="tx1"/>
+                </a:solidFill>
+                <a:latin typeface="Times New Roman" panose="02020603050405020304" pitchFamily="18" charset="0"/>
+                <a:cs typeface="Times New Roman" panose="02020603050405020304" pitchFamily="18" charset="0"/>
+              </a:rPr>
+              <a:t>Библиотеки:</a:t>
+            </a:r>
+            <a:endParaRPr lang="ru-RU" sz="1800" dirty="0">
+              <a:solidFill>
+                <a:schemeClr val="tx1"/>
+              </a:solidFill>
+              <a:latin typeface="Times New Roman" panose="02020603050405020304" pitchFamily="18" charset="0"/>
+              <a:cs typeface="Times New Roman" panose="02020603050405020304" pitchFamily="18" charset="0"/>
+            </a:endParaRPr>
+          </a:p>
+          <a:p>
+            <a:pPr lvl="1" algn="just"/>
+            <a:r>
+              <a:rPr lang="en-US" sz="2200" dirty="0">
+                <a:solidFill>
+                  <a:schemeClr val="tx1"/>
+                </a:solidFill>
+                <a:latin typeface="Times New Roman" panose="02020603050405020304" pitchFamily="18" charset="0"/>
+                <a:cs typeface="Times New Roman" panose="02020603050405020304" pitchFamily="18" charset="0"/>
+              </a:rPr>
+              <a:t>Network</a:t>
+            </a:r>
+          </a:p>
+          <a:p>
+            <a:pPr lvl="1" algn="just"/>
+            <a:r>
+              <a:rPr lang="en-US" sz="2200" dirty="0" err="1">
+                <a:solidFill>
+                  <a:schemeClr val="tx1"/>
+                </a:solidFill>
+                <a:latin typeface="Times New Roman" panose="02020603050405020304" pitchFamily="18" charset="0"/>
+                <a:cs typeface="Times New Roman" panose="02020603050405020304" pitchFamily="18" charset="0"/>
+              </a:rPr>
+              <a:t>Newtonsoft.Json</a:t>
+            </a:r>
+            <a:endParaRPr lang="en-US" sz="2200" dirty="0">
+              <a:solidFill>
+                <a:schemeClr val="tx1"/>
+              </a:solidFill>
+              <a:latin typeface="Times New Roman" panose="02020603050405020304" pitchFamily="18" charset="0"/>
+              <a:cs typeface="Times New Roman" panose="02020603050405020304" pitchFamily="18" charset="0"/>
+            </a:endParaRPr>
+          </a:p>
+          <a:p>
+            <a:pPr lvl="1" algn="just"/>
+            <a:r>
+              <a:rPr lang="en-US" sz="2200" dirty="0" err="1">
+                <a:solidFill>
+                  <a:schemeClr val="tx1"/>
+                </a:solidFill>
+                <a:latin typeface="Times New Roman" panose="02020603050405020304" pitchFamily="18" charset="0"/>
+                <a:cs typeface="Times New Roman" panose="02020603050405020304" pitchFamily="18" charset="0"/>
+              </a:rPr>
+              <a:t>ServiceController</a:t>
+            </a:r>
+            <a:endParaRPr lang="en-US" sz="2200" dirty="0">
+              <a:solidFill>
+                <a:schemeClr val="tx1"/>
+              </a:solidFill>
+              <a:latin typeface="Times New Roman" panose="02020603050405020304" pitchFamily="18" charset="0"/>
+              <a:cs typeface="Times New Roman" panose="02020603050405020304" pitchFamily="18" charset="0"/>
+            </a:endParaRPr>
+          </a:p>
+          <a:p>
+            <a:pPr lvl="1" algn="just"/>
+            <a:r>
+              <a:rPr lang="en-US" sz="2200" dirty="0" err="1">
+                <a:solidFill>
+                  <a:schemeClr val="tx1"/>
+                </a:solidFill>
+                <a:latin typeface="Times New Roman" panose="02020603050405020304" pitchFamily="18" charset="0"/>
+                <a:cs typeface="Times New Roman" panose="02020603050405020304" pitchFamily="18" charset="0"/>
+              </a:rPr>
+              <a:t>SqlClient</a:t>
+            </a:r>
+            <a:endParaRPr lang="ru-RU" sz="2200" dirty="0">
+              <a:solidFill>
+                <a:schemeClr val="tx1"/>
+              </a:solidFill>
+              <a:latin typeface="Times New Roman" panose="02020603050405020304" pitchFamily="18" charset="0"/>
+              <a:cs typeface="Times New Roman" panose="02020603050405020304" pitchFamily="18" charset="0"/>
+            </a:endParaRPr>
+          </a:p>
+          <a:p>
+            <a:pPr lvl="1" algn="just"/>
+            <a:r>
+              <a:rPr lang="en-US" sz="2200" dirty="0" err="1">
+                <a:solidFill>
+                  <a:schemeClr val="tx1"/>
+                </a:solidFill>
+                <a:latin typeface="Times New Roman" panose="02020603050405020304" pitchFamily="18" charset="0"/>
+                <a:cs typeface="Times New Roman" panose="02020603050405020304" pitchFamily="18" charset="0"/>
+              </a:rPr>
+              <a:t>Npgsql</a:t>
+            </a:r>
+            <a:endParaRPr lang="ru-RU" sz="2200" dirty="0">
+              <a:solidFill>
+                <a:schemeClr val="tx1"/>
+              </a:solidFill>
+              <a:latin typeface="Times New Roman" panose="02020603050405020304" pitchFamily="18" charset="0"/>
+              <a:cs typeface="Times New Roman" panose="02020603050405020304" pitchFamily="18" charset="0"/>
+            </a:endParaRPr>
+          </a:p>
+          <a:p>
+            <a:pPr lvl="1" algn="just"/>
+            <a:endParaRPr lang="ru-RU" sz="2200" dirty="0">
+              <a:solidFill>
+                <a:schemeClr val="tx1"/>
+              </a:solidFill>
+              <a:latin typeface="Times New Roman" panose="02020603050405020304" pitchFamily="18" charset="0"/>
+              <a:cs typeface="Times New Roman" panose="02020603050405020304" pitchFamily="18" charset="0"/>
+            </a:endParaRPr>
+          </a:p>
+        </p:txBody>
+      </p:sp>
+      <p:sp>
+        <p:nvSpPr>
+          <p:cNvPr id="4" name="Slide Number Placeholder 3">
+            <a:extLst>
+              <a:ext uri="{FF2B5EF4-FFF2-40B4-BE49-F238E27FC236}">
+                <a16:creationId xmlns:a16="http://schemas.microsoft.com/office/drawing/2014/main" id="{DB31A652-DAFF-C75C-4AE4-5940C18DD0C9}"/>
+              </a:ext>
+            </a:extLst>
+          </p:cNvPr>
+          <p:cNvSpPr>
+            <a:spLocks noGrp="1"/>
+          </p:cNvSpPr>
+          <p:nvPr>
+            <p:ph type="sldNum" sz="quarter" idx="12"/>
+          </p:nvPr>
+        </p:nvSpPr>
+        <p:spPr/>
+        <p:txBody>
+          <a:bodyPr>
+            <a:normAutofit lnSpcReduction="10000"/>
+          </a:bodyPr>
+          <a:lstStyle/>
+          <a:p>
+            <a:fld id="{C609970E-C222-41D0-B979-7AFB584A93C5}" type="slidenum">
+              <a:rPr lang="ru-RU" smtClean="0"/>
+              <a:t>11</a:t>
+            </a:fld>
+            <a:endParaRPr lang="ru-RU"/>
+          </a:p>
+        </p:txBody>
+      </p:sp>
+    </p:spTree>
+    <p:extLst>
+      <p:ext uri="{BB962C8B-B14F-4D97-AF65-F5344CB8AC3E}">
+        <p14:creationId xmlns:p14="http://schemas.microsoft.com/office/powerpoint/2010/main" val="238568568"/>
+      </p:ext>
+    </p:extLst>
+  </p:cSld>
+  <p:clrMapOvr>
+    <a:masterClrMapping/>
+  </p:clrMapOvr>
+</p:sld>
+</file>
+
+<file path=ppt/slides/slide12.xml><?xml version="1.0" encoding="utf-8"?>
+<p:sld xmlns:a="http://schemas.openxmlformats.org/drawingml/2006/main" xmlns:r="http://schemas.openxmlformats.org/officeDocument/2006/relationships" xmlns:p="http://schemas.openxmlformats.org/presentationml/2006/main">
+  <p:cSld>
+    <p:spTree>
+      <p:nvGrpSpPr>
+        <p:cNvPr id="1" name=""/>
+        <p:cNvGrpSpPr/>
+        <p:nvPr/>
+      </p:nvGrpSpPr>
+      <p:grpSpPr>
+        <a:xfrm>
+          <a:off x="0" y="0"/>
+          <a:ext cx="0" cy="0"/>
+          <a:chOff x="0" y="0"/>
+          <a:chExt cx="0" cy="0"/>
+        </a:xfrm>
+      </p:grpSpPr>
+      <p:sp>
+        <p:nvSpPr>
           <p:cNvPr id="2" name="Title 1">
             <a:extLst>
               <a:ext uri="{FF2B5EF4-FFF2-40B4-BE49-F238E27FC236}">
@@ -4449,7 +4793,7 @@
           <a:p>
             <a:fld id="{C609970E-C222-41D0-B979-7AFB584A93C5}" type="slidenum">
               <a:rPr lang="ru-RU" smtClean="0"/>
-              <a:t>11</a:t>
+              <a:t>12</a:t>
             </a:fld>
             <a:endParaRPr lang="ru-RU"/>
           </a:p>
@@ -4758,7 +5102,7 @@
                 <a:latin typeface="Times New Roman" panose="02020603050405020304" pitchFamily="18" charset="0"/>
                 <a:cs typeface="Times New Roman" panose="02020603050405020304" pitchFamily="18" charset="0"/>
               </a:rPr>
-              <a:t>Цель – разработка программного обеспечения для управления процессами создания, хранения, управления жизненным циклом и восстановления резервных копии данных.</a:t>
+              <a:t>Цель – разработка программного обеспечения для управления процессами создания, хранения, и восстановления резервных копии данных.</a:t>
             </a:r>
           </a:p>
           <a:p>
@@ -4949,6 +5293,126 @@
   <p:cSld>
     <p:spTree>
       <p:nvGrpSpPr>
+        <p:cNvPr id="1" name=""/>
+        <p:cNvGrpSpPr/>
+        <p:nvPr/>
+      </p:nvGrpSpPr>
+      <p:grpSpPr>
+        <a:xfrm>
+          <a:off x="0" y="0"/>
+          <a:ext cx="0" cy="0"/>
+          <a:chOff x="0" y="0"/>
+          <a:chExt cx="0" cy="0"/>
+        </a:xfrm>
+      </p:grpSpPr>
+      <p:sp>
+        <p:nvSpPr>
+          <p:cNvPr id="2" name="Заголовок 1">
+            <a:extLst>
+              <a:ext uri="{FF2B5EF4-FFF2-40B4-BE49-F238E27FC236}">
+                <a16:creationId xmlns:a16="http://schemas.microsoft.com/office/drawing/2014/main" id="{331DE866-399E-4AEF-BFCF-C7A6E93C5DE9}"/>
+              </a:ext>
+            </a:extLst>
+          </p:cNvPr>
+          <p:cNvSpPr>
+            <a:spLocks noGrp="1"/>
+          </p:cNvSpPr>
+          <p:nvPr>
+            <p:ph type="title"/>
+          </p:nvPr>
+        </p:nvSpPr>
+        <p:spPr/>
+        <p:txBody>
+          <a:bodyPr/>
+          <a:lstStyle/>
+          <a:p>
+            <a:r>
+              <a:rPr lang="ru-RU" dirty="0"/>
+              <a:t>Существующие решения резервирования данных</a:t>
+            </a:r>
+          </a:p>
+        </p:txBody>
+      </p:sp>
+      <p:sp>
+        <p:nvSpPr>
+          <p:cNvPr id="3" name="Объект 2">
+            <a:extLst>
+              <a:ext uri="{FF2B5EF4-FFF2-40B4-BE49-F238E27FC236}">
+                <a16:creationId xmlns:a16="http://schemas.microsoft.com/office/drawing/2014/main" id="{A772DB18-2C88-499B-8303-2052DAFD6635}"/>
+              </a:ext>
+            </a:extLst>
+          </p:cNvPr>
+          <p:cNvSpPr>
+            <a:spLocks noGrp="1"/>
+          </p:cNvSpPr>
+          <p:nvPr>
+            <p:ph idx="1"/>
+          </p:nvPr>
+        </p:nvSpPr>
+        <p:spPr/>
+        <p:txBody>
+          <a:bodyPr/>
+          <a:lstStyle/>
+          <a:p>
+            <a:pPr marL="0" indent="0">
+              <a:buNone/>
+            </a:pPr>
+            <a:r>
+              <a:rPr lang="ru-RU" dirty="0"/>
+              <a:t>Добавить из отчета</a:t>
+            </a:r>
+          </a:p>
+        </p:txBody>
+      </p:sp>
+      <p:sp>
+        <p:nvSpPr>
+          <p:cNvPr id="4" name="Номер слайда 3">
+            <a:extLst>
+              <a:ext uri="{FF2B5EF4-FFF2-40B4-BE49-F238E27FC236}">
+                <a16:creationId xmlns:a16="http://schemas.microsoft.com/office/drawing/2014/main" id="{A1DB19F0-59A6-4160-B1D7-D8857C7CBB83}"/>
+              </a:ext>
+            </a:extLst>
+          </p:cNvPr>
+          <p:cNvSpPr>
+            <a:spLocks noGrp="1"/>
+          </p:cNvSpPr>
+          <p:nvPr>
+            <p:ph type="sldNum" sz="quarter" idx="12"/>
+          </p:nvPr>
+        </p:nvSpPr>
+        <p:spPr/>
+        <p:txBody>
+          <a:bodyPr>
+            <a:normAutofit lnSpcReduction="10000"/>
+          </a:bodyPr>
+          <a:lstStyle/>
+          <a:p>
+            <a:fld id="{C609970E-C222-41D0-B979-7AFB584A93C5}" type="slidenum">
+              <a:rPr lang="ru-RU" smtClean="0"/>
+              <a:t>4</a:t>
+            </a:fld>
+            <a:endParaRPr lang="ru-RU"/>
+          </a:p>
+        </p:txBody>
+      </p:sp>
+    </p:spTree>
+    <p:extLst>
+      <p:ext uri="{BB962C8B-B14F-4D97-AF65-F5344CB8AC3E}">
+        <p14:creationId xmlns:p14="http://schemas.microsoft.com/office/powerpoint/2010/main" val="519901080"/>
+      </p:ext>
+    </p:extLst>
+  </p:cSld>
+  <p:clrMapOvr>
+    <a:masterClrMapping/>
+  </p:clrMapOvr>
+</p:sld>
+</file>
+
+<file path=ppt/slides/slide5.xml><?xml version="1.0" encoding="utf-8"?>
+<p:sld xmlns:a="http://schemas.openxmlformats.org/drawingml/2006/main" xmlns:r="http://schemas.openxmlformats.org/officeDocument/2006/relationships" xmlns:p="http://schemas.openxmlformats.org/presentationml/2006/main">
+  <p:cSld>
+    <p:spTree>
+      <p:nvGrpSpPr>
         <p:cNvPr id="1" name="Shape 122"/>
         <p:cNvGrpSpPr/>
         <p:nvPr/>
@@ -5587,143 +6051,13 @@
           <a:p>
             <a:fld id="{C609970E-C222-41D0-B979-7AFB584A93C5}" type="slidenum">
               <a:rPr lang="ru-RU" smtClean="0"/>
-              <a:t>4</a:t>
-            </a:fld>
-            <a:endParaRPr lang="ru-RU"/>
-          </a:p>
-        </p:txBody>
-      </p:sp>
-    </p:spTree>
-  </p:cSld>
-  <p:clrMapOvr>
-    <a:masterClrMapping/>
-  </p:clrMapOvr>
-</p:sld>
-</file>
-
-<file path=ppt/slides/slide5.xml><?xml version="1.0" encoding="utf-8"?>
-<p:sld xmlns:a="http://schemas.openxmlformats.org/drawingml/2006/main" xmlns:r="http://schemas.openxmlformats.org/officeDocument/2006/relationships" xmlns:p="http://schemas.openxmlformats.org/presentationml/2006/main">
-  <p:cSld>
-    <p:spTree>
-      <p:nvGrpSpPr>
-        <p:cNvPr id="1" name=""/>
-        <p:cNvGrpSpPr/>
-        <p:nvPr/>
-      </p:nvGrpSpPr>
-      <p:grpSpPr>
-        <a:xfrm>
-          <a:off x="0" y="0"/>
-          <a:ext cx="0" cy="0"/>
-          <a:chOff x="0" y="0"/>
-          <a:chExt cx="0" cy="0"/>
-        </a:xfrm>
-      </p:grpSpPr>
-      <p:sp>
-        <p:nvSpPr>
-          <p:cNvPr id="2" name="Заголовок 1">
-            <a:extLst>
-              <a:ext uri="{FF2B5EF4-FFF2-40B4-BE49-F238E27FC236}">
-                <a16:creationId xmlns:a16="http://schemas.microsoft.com/office/drawing/2014/main" id="{452627BE-5F5F-44CB-B2D8-95E3F1BA375E}"/>
-              </a:ext>
-            </a:extLst>
-          </p:cNvPr>
-          <p:cNvSpPr>
-            <a:spLocks noGrp="1"/>
-          </p:cNvSpPr>
-          <p:nvPr>
-            <p:ph type="title"/>
-          </p:nvPr>
-        </p:nvSpPr>
-        <p:spPr>
-          <a:xfrm>
-            <a:off x="1036570" y="328613"/>
-            <a:ext cx="9692640" cy="840666"/>
-          </a:xfrm>
-        </p:spPr>
-        <p:txBody>
-          <a:bodyPr>
-            <a:normAutofit fontScale="90000"/>
-          </a:bodyPr>
-          <a:lstStyle/>
-          <a:p>
-            <a:pPr algn="ctr"/>
-            <a:r>
-              <a:rPr lang="ru-RU" dirty="0">
-                <a:latin typeface="Times New Roman" panose="02020603050405020304" pitchFamily="18" charset="0"/>
-                <a:cs typeface="Times New Roman" panose="02020603050405020304" pitchFamily="18" charset="0"/>
-              </a:rPr>
-              <a:t>Архитектура программного обеспечения</a:t>
-            </a:r>
-          </a:p>
-        </p:txBody>
-      </p:sp>
-      <p:sp>
-        <p:nvSpPr>
-          <p:cNvPr id="3" name="Slide Number Placeholder 2">
-            <a:extLst>
-              <a:ext uri="{FF2B5EF4-FFF2-40B4-BE49-F238E27FC236}">
-                <a16:creationId xmlns:a16="http://schemas.microsoft.com/office/drawing/2014/main" id="{ADCA246B-0377-CAC1-2116-3D2F32E07823}"/>
-              </a:ext>
-            </a:extLst>
-          </p:cNvPr>
-          <p:cNvSpPr>
-            <a:spLocks noGrp="1"/>
-          </p:cNvSpPr>
-          <p:nvPr>
-            <p:ph type="sldNum" sz="quarter" idx="12"/>
-          </p:nvPr>
-        </p:nvSpPr>
-        <p:spPr/>
-        <p:txBody>
-          <a:bodyPr>
-            <a:normAutofit lnSpcReduction="10000"/>
-          </a:bodyPr>
-          <a:lstStyle/>
-          <a:p>
-            <a:fld id="{C609970E-C222-41D0-B979-7AFB584A93C5}" type="slidenum">
-              <a:rPr lang="ru-RU" smtClean="0"/>
               <a:t>5</a:t>
             </a:fld>
             <a:endParaRPr lang="ru-RU"/>
           </a:p>
         </p:txBody>
       </p:sp>
-      <p:pic>
-        <p:nvPicPr>
-          <p:cNvPr id="7" name="Рисунок 6">
-            <a:extLst>
-              <a:ext uri="{FF2B5EF4-FFF2-40B4-BE49-F238E27FC236}">
-                <a16:creationId xmlns:a16="http://schemas.microsoft.com/office/drawing/2014/main" id="{EE632C5B-CD7F-4756-B39D-1FCF7E524B7A}"/>
-              </a:ext>
-            </a:extLst>
-          </p:cNvPr>
-          <p:cNvPicPr>
-            <a:picLocks noChangeAspect="1"/>
-          </p:cNvPicPr>
-          <p:nvPr/>
-        </p:nvPicPr>
-        <p:blipFill>
-          <a:blip r:embed="rId2"/>
-          <a:stretch>
-            <a:fillRect/>
-          </a:stretch>
-        </p:blipFill>
-        <p:spPr>
-          <a:xfrm>
-            <a:off x="2719387" y="1990725"/>
-            <a:ext cx="6753225" cy="2876550"/>
-          </a:xfrm>
-          <a:prstGeom prst="rect">
-            <a:avLst/>
-          </a:prstGeom>
-        </p:spPr>
-      </p:pic>
     </p:spTree>
-    <p:extLst>
-      <p:ext uri="{BB962C8B-B14F-4D97-AF65-F5344CB8AC3E}">
-        <p14:creationId xmlns:p14="http://schemas.microsoft.com/office/powerpoint/2010/main" val="653638211"/>
-      </p:ext>
-    </p:extLst>
   </p:cSld>
   <p:clrMapOvr>
     <a:masterClrMapping/>
@@ -5753,7 +6087,7 @@
           <p:cNvPr id="2" name="Заголовок 1">
             <a:extLst>
               <a:ext uri="{FF2B5EF4-FFF2-40B4-BE49-F238E27FC236}">
-                <a16:creationId xmlns:a16="http://schemas.microsoft.com/office/drawing/2014/main" id="{D42376DA-5A1A-4234-BBFB-D9BDEE61FC94}"/>
+                <a16:creationId xmlns:a16="http://schemas.microsoft.com/office/drawing/2014/main" id="{452627BE-5F5F-44CB-B2D8-95E3F1BA375E}"/>
               </a:ext>
             </a:extLst>
           </p:cNvPr>
@@ -5764,24 +6098,35 @@
             <p:ph type="title"/>
           </p:nvPr>
         </p:nvSpPr>
-        <p:spPr/>
-        <p:txBody>
-          <a:bodyPr/>
-          <a:lstStyle/>
-          <a:p>
-            <a:r>
-              <a:rPr lang="ru-RU" dirty="0"/>
-              <a:t>Диаграмма классов заданий</a:t>
-            </a:r>
-          </a:p>
-        </p:txBody>
-      </p:sp>
-      <p:sp>
-        <p:nvSpPr>
-          <p:cNvPr id="4" name="Номер слайда 3">
+        <p:spPr>
+          <a:xfrm>
+            <a:off x="1036570" y="328613"/>
+            <a:ext cx="9692640" cy="840666"/>
+          </a:xfrm>
+        </p:spPr>
+        <p:txBody>
+          <a:bodyPr>
+            <a:normAutofit fontScale="90000"/>
+          </a:bodyPr>
+          <a:lstStyle/>
+          <a:p>
+            <a:pPr algn="ctr"/>
+            <a:r>
+              <a:rPr lang="ru-RU" dirty="0">
+                <a:latin typeface="Times New Roman" panose="02020603050405020304" pitchFamily="18" charset="0"/>
+                <a:cs typeface="Times New Roman" panose="02020603050405020304" pitchFamily="18" charset="0"/>
+              </a:rPr>
+              <a:t>Архитектура программного обеспечения</a:t>
+            </a:r>
+          </a:p>
+        </p:txBody>
+      </p:sp>
+      <p:sp>
+        <p:nvSpPr>
+          <p:cNvPr id="3" name="Slide Number Placeholder 2">
             <a:extLst>
               <a:ext uri="{FF2B5EF4-FFF2-40B4-BE49-F238E27FC236}">
-                <a16:creationId xmlns:a16="http://schemas.microsoft.com/office/drawing/2014/main" id="{733B7D94-2539-4382-BA92-04A234509341}"/>
+                <a16:creationId xmlns:a16="http://schemas.microsoft.com/office/drawing/2014/main" id="{ADCA246B-0377-CAC1-2116-3D2F32E07823}"/>
               </a:ext>
             </a:extLst>
           </p:cNvPr>
@@ -5809,10 +6154,10 @@
       </p:sp>
       <p:pic>
         <p:nvPicPr>
-          <p:cNvPr id="10" name="Рисунок 9">
+          <p:cNvPr id="5" name="Рисунок 4">
             <a:extLst>
               <a:ext uri="{FF2B5EF4-FFF2-40B4-BE49-F238E27FC236}">
-                <a16:creationId xmlns:a16="http://schemas.microsoft.com/office/drawing/2014/main" id="{FD3CD741-2B08-4B1A-9DBE-9408D199D5D2}"/>
+                <a16:creationId xmlns:a16="http://schemas.microsoft.com/office/drawing/2014/main" id="{10D479B4-156D-45E3-A70C-9DEF8C0BDD23}"/>
               </a:ext>
             </a:extLst>
           </p:cNvPr>
@@ -5829,8 +6174,127 @@
         </p:blipFill>
         <p:spPr>
           <a:xfrm>
-            <a:off x="3783139" y="2418555"/>
-            <a:ext cx="3552825" cy="3171825"/>
+            <a:off x="2709588" y="2033404"/>
+            <a:ext cx="6772823" cy="2791191"/>
+          </a:xfrm>
+          <a:prstGeom prst="rect">
+            <a:avLst/>
+          </a:prstGeom>
+        </p:spPr>
+      </p:pic>
+    </p:spTree>
+    <p:extLst>
+      <p:ext uri="{BB962C8B-B14F-4D97-AF65-F5344CB8AC3E}">
+        <p14:creationId xmlns:p14="http://schemas.microsoft.com/office/powerpoint/2010/main" val="653638211"/>
+      </p:ext>
+    </p:extLst>
+  </p:cSld>
+  <p:clrMapOvr>
+    <a:masterClrMapping/>
+  </p:clrMapOvr>
+</p:sld>
+</file>
+
+<file path=ppt/slides/slide7.xml><?xml version="1.0" encoding="utf-8"?>
+<p:sld xmlns:a="http://schemas.openxmlformats.org/drawingml/2006/main" xmlns:r="http://schemas.openxmlformats.org/officeDocument/2006/relationships" xmlns:p="http://schemas.openxmlformats.org/presentationml/2006/main">
+  <p:cSld>
+    <p:spTree>
+      <p:nvGrpSpPr>
+        <p:cNvPr id="1" name=""/>
+        <p:cNvGrpSpPr/>
+        <p:nvPr/>
+      </p:nvGrpSpPr>
+      <p:grpSpPr>
+        <a:xfrm>
+          <a:off x="0" y="0"/>
+          <a:ext cx="0" cy="0"/>
+          <a:chOff x="0" y="0"/>
+          <a:chExt cx="0" cy="0"/>
+        </a:xfrm>
+      </p:grpSpPr>
+      <p:sp>
+        <p:nvSpPr>
+          <p:cNvPr id="2" name="Заголовок 1">
+            <a:extLst>
+              <a:ext uri="{FF2B5EF4-FFF2-40B4-BE49-F238E27FC236}">
+                <a16:creationId xmlns:a16="http://schemas.microsoft.com/office/drawing/2014/main" id="{D42376DA-5A1A-4234-BBFB-D9BDEE61FC94}"/>
+              </a:ext>
+            </a:extLst>
+          </p:cNvPr>
+          <p:cNvSpPr>
+            <a:spLocks noGrp="1"/>
+          </p:cNvSpPr>
+          <p:nvPr>
+            <p:ph type="title"/>
+          </p:nvPr>
+        </p:nvSpPr>
+        <p:spPr/>
+        <p:txBody>
+          <a:bodyPr/>
+          <a:lstStyle/>
+          <a:p>
+            <a:r>
+              <a:rPr lang="ru-RU" dirty="0"/>
+              <a:t>Диаграмма классов заданий</a:t>
+            </a:r>
+          </a:p>
+        </p:txBody>
+      </p:sp>
+      <p:sp>
+        <p:nvSpPr>
+          <p:cNvPr id="4" name="Номер слайда 3">
+            <a:extLst>
+              <a:ext uri="{FF2B5EF4-FFF2-40B4-BE49-F238E27FC236}">
+                <a16:creationId xmlns:a16="http://schemas.microsoft.com/office/drawing/2014/main" id="{733B7D94-2539-4382-BA92-04A234509341}"/>
+              </a:ext>
+            </a:extLst>
+          </p:cNvPr>
+          <p:cNvSpPr>
+            <a:spLocks noGrp="1"/>
+          </p:cNvSpPr>
+          <p:nvPr>
+            <p:ph type="sldNum" sz="quarter" idx="12"/>
+          </p:nvPr>
+        </p:nvSpPr>
+        <p:spPr/>
+        <p:txBody>
+          <a:bodyPr>
+            <a:normAutofit lnSpcReduction="10000"/>
+          </a:bodyPr>
+          <a:lstStyle/>
+          <a:p>
+            <a:fld id="{C609970E-C222-41D0-B979-7AFB584A93C5}" type="slidenum">
+              <a:rPr lang="ru-RU" smtClean="0"/>
+              <a:t>7</a:t>
+            </a:fld>
+            <a:endParaRPr lang="ru-RU"/>
+          </a:p>
+        </p:txBody>
+      </p:sp>
+      <p:pic>
+        <p:nvPicPr>
+          <p:cNvPr id="5" name="Рисунок 4">
+            <a:extLst>
+              <a:ext uri="{FF2B5EF4-FFF2-40B4-BE49-F238E27FC236}">
+                <a16:creationId xmlns:a16="http://schemas.microsoft.com/office/drawing/2014/main" id="{DBC0C5A7-99CD-4FF9-B01B-A3228A491877}"/>
+              </a:ext>
+            </a:extLst>
+          </p:cNvPr>
+          <p:cNvPicPr>
+            <a:picLocks noChangeAspect="1"/>
+          </p:cNvPicPr>
+          <p:nvPr/>
+        </p:nvPicPr>
+        <p:blipFill>
+          <a:blip r:embed="rId2"/>
+          <a:stretch>
+            <a:fillRect/>
+          </a:stretch>
+        </p:blipFill>
+        <p:spPr>
+          <a:xfrm>
+            <a:off x="3724275" y="1733550"/>
+            <a:ext cx="4743450" cy="3390900"/>
           </a:xfrm>
           <a:prstGeom prst="rect">
             <a:avLst/>
@@ -5850,7 +6314,7 @@
 </p:sld>
 </file>
 
-<file path=ppt/slides/slide7.xml><?xml version="1.0" encoding="utf-8"?>
+<file path=ppt/slides/slide8.xml><?xml version="1.0" encoding="utf-8"?>
 <p:sld xmlns:a="http://schemas.openxmlformats.org/drawingml/2006/main" xmlns:r="http://schemas.openxmlformats.org/officeDocument/2006/relationships" xmlns:p="http://schemas.openxmlformats.org/presentationml/2006/main">
   <p:cSld>
     <p:spTree>
@@ -6029,7 +6493,7 @@
           <a:p>
             <a:fld id="{C609970E-C222-41D0-B979-7AFB584A93C5}" type="slidenum">
               <a:rPr lang="ru-RU" smtClean="0"/>
-              <a:t>7</a:t>
+              <a:t>8</a:t>
             </a:fld>
             <a:endParaRPr lang="ru-RU"/>
           </a:p>
@@ -6048,7 +6512,7 @@
 </p:sld>
 </file>
 
-<file path=ppt/slides/slide8.xml><?xml version="1.0" encoding="utf-8"?>
+<file path=ppt/slides/slide9.xml><?xml version="1.0" encoding="utf-8"?>
 <p:sld xmlns:a="http://schemas.openxmlformats.org/drawingml/2006/main" xmlns:r="http://schemas.openxmlformats.org/officeDocument/2006/relationships" xmlns:p="http://schemas.openxmlformats.org/presentationml/2006/main">
   <p:cSld>
     <p:spTree>
@@ -6184,7 +6648,7 @@
           <a:p>
             <a:fld id="{C609970E-C222-41D0-B979-7AFB584A93C5}" type="slidenum">
               <a:rPr lang="ru-RU" smtClean="0"/>
-              <a:t>8</a:t>
+              <a:t>9</a:t>
             </a:fld>
             <a:endParaRPr lang="ru-RU"/>
           </a:p>
@@ -6224,181 +6688,6 @@
     <p:extLst>
       <p:ext uri="{BB962C8B-B14F-4D97-AF65-F5344CB8AC3E}">
         <p14:creationId xmlns:p14="http://schemas.microsoft.com/office/powerpoint/2010/main" val="1916231339"/>
-      </p:ext>
-    </p:extLst>
-  </p:cSld>
-  <p:clrMapOvr>
-    <a:masterClrMapping/>
-  </p:clrMapOvr>
-</p:sld>
-</file>
-
-<file path=ppt/slides/slide9.xml><?xml version="1.0" encoding="utf-8"?>
-<p:sld xmlns:a="http://schemas.openxmlformats.org/drawingml/2006/main" xmlns:r="http://schemas.openxmlformats.org/officeDocument/2006/relationships" xmlns:p="http://schemas.openxmlformats.org/presentationml/2006/main">
-  <p:cSld>
-    <p:spTree>
-      <p:nvGrpSpPr>
-        <p:cNvPr id="1" name=""/>
-        <p:cNvGrpSpPr/>
-        <p:nvPr/>
-      </p:nvGrpSpPr>
-      <p:grpSpPr>
-        <a:xfrm>
-          <a:off x="0" y="0"/>
-          <a:ext cx="0" cy="0"/>
-          <a:chOff x="0" y="0"/>
-          <a:chExt cx="0" cy="0"/>
-        </a:xfrm>
-      </p:grpSpPr>
-      <p:sp>
-        <p:nvSpPr>
-          <p:cNvPr id="2" name="Заголовок 1">
-            <a:extLst>
-              <a:ext uri="{FF2B5EF4-FFF2-40B4-BE49-F238E27FC236}">
-                <a16:creationId xmlns:a16="http://schemas.microsoft.com/office/drawing/2014/main" id="{9EB3B7E4-2D35-483F-B9AC-05D94C590133}"/>
-              </a:ext>
-            </a:extLst>
-          </p:cNvPr>
-          <p:cNvSpPr>
-            <a:spLocks noGrp="1"/>
-          </p:cNvSpPr>
-          <p:nvPr>
-            <p:ph type="title"/>
-          </p:nvPr>
-        </p:nvSpPr>
-        <p:spPr/>
-        <p:txBody>
-          <a:bodyPr/>
-          <a:lstStyle/>
-          <a:p>
-            <a:r>
-              <a:rPr lang="ru-RU" dirty="0">
-                <a:latin typeface="Times New Roman" panose="02020603050405020304" pitchFamily="18" charset="0"/>
-                <a:cs typeface="Times New Roman" panose="02020603050405020304" pitchFamily="18" charset="0"/>
-              </a:rPr>
-              <a:t>Возможности программы:</a:t>
-            </a:r>
-          </a:p>
-        </p:txBody>
-      </p:sp>
-      <p:sp>
-        <p:nvSpPr>
-          <p:cNvPr id="3" name="Объект 2">
-            <a:extLst>
-              <a:ext uri="{FF2B5EF4-FFF2-40B4-BE49-F238E27FC236}">
-                <a16:creationId xmlns:a16="http://schemas.microsoft.com/office/drawing/2014/main" id="{114DCCD4-7B7A-4FB8-A9CB-FDD6387E833A}"/>
-              </a:ext>
-            </a:extLst>
-          </p:cNvPr>
-          <p:cNvSpPr>
-            <a:spLocks noGrp="1"/>
-          </p:cNvSpPr>
-          <p:nvPr>
-            <p:ph idx="1"/>
-          </p:nvPr>
-        </p:nvSpPr>
-        <p:spPr/>
-        <p:txBody>
-          <a:bodyPr>
-            <a:normAutofit/>
-          </a:bodyPr>
-          <a:lstStyle/>
-          <a:p>
-            <a:pPr algn="just"/>
-            <a:r>
-              <a:rPr lang="ru-RU" sz="2400" dirty="0">
-                <a:solidFill>
-                  <a:schemeClr val="tx1"/>
-                </a:solidFill>
-                <a:latin typeface="Times New Roman" panose="02020603050405020304" pitchFamily="18" charset="0"/>
-                <a:cs typeface="Times New Roman" panose="02020603050405020304" pitchFamily="18" charset="0"/>
-              </a:rPr>
-              <a:t>Создание и изменение планов резервирования</a:t>
-            </a:r>
-            <a:r>
-              <a:rPr lang="en-US" sz="2400" dirty="0">
-                <a:solidFill>
-                  <a:schemeClr val="tx1"/>
-                </a:solidFill>
-                <a:latin typeface="Times New Roman" panose="02020603050405020304" pitchFamily="18" charset="0"/>
-                <a:cs typeface="Times New Roman" panose="02020603050405020304" pitchFamily="18" charset="0"/>
-              </a:rPr>
-              <a:t>,</a:t>
-            </a:r>
-            <a:r>
-              <a:rPr lang="ru-RU" sz="2400" dirty="0">
-                <a:solidFill>
-                  <a:schemeClr val="tx1"/>
-                </a:solidFill>
-                <a:latin typeface="Times New Roman" panose="02020603050405020304" pitchFamily="18" charset="0"/>
-                <a:cs typeface="Times New Roman" panose="02020603050405020304" pitchFamily="18" charset="0"/>
-              </a:rPr>
-              <a:t>  восстановление данных. </a:t>
-            </a:r>
-          </a:p>
-          <a:p>
-            <a:pPr algn="just"/>
-            <a:r>
-              <a:rPr lang="ru-RU" sz="2400" dirty="0">
-                <a:solidFill>
-                  <a:schemeClr val="tx1"/>
-                </a:solidFill>
-                <a:latin typeface="Times New Roman" panose="02020603050405020304" pitchFamily="18" charset="0"/>
-                <a:cs typeface="Times New Roman" panose="02020603050405020304" pitchFamily="18" charset="0"/>
-              </a:rPr>
-              <a:t>Отправка данных на удаленный компьютер. </a:t>
-            </a:r>
-          </a:p>
-          <a:p>
-            <a:pPr algn="just"/>
-            <a:r>
-              <a:rPr lang="ru-RU" sz="2400" dirty="0">
-                <a:solidFill>
-                  <a:schemeClr val="tx1"/>
-                </a:solidFill>
-                <a:latin typeface="Times New Roman" panose="02020603050405020304" pitchFamily="18" charset="0"/>
-                <a:cs typeface="Times New Roman" panose="02020603050405020304" pitchFamily="18" charset="0"/>
-              </a:rPr>
-              <a:t>Централизованное управление заданиями.</a:t>
-            </a:r>
-          </a:p>
-        </p:txBody>
-      </p:sp>
-      <p:sp>
-        <p:nvSpPr>
-          <p:cNvPr id="4" name="Slide Number Placeholder 3">
-            <a:extLst>
-              <a:ext uri="{FF2B5EF4-FFF2-40B4-BE49-F238E27FC236}">
-                <a16:creationId xmlns:a16="http://schemas.microsoft.com/office/drawing/2014/main" id="{514A932E-D663-2553-85F7-13ECE82061E8}"/>
-              </a:ext>
-            </a:extLst>
-          </p:cNvPr>
-          <p:cNvSpPr>
-            <a:spLocks noGrp="1"/>
-          </p:cNvSpPr>
-          <p:nvPr>
-            <p:ph type="sldNum" sz="quarter" idx="12"/>
-          </p:nvPr>
-        </p:nvSpPr>
-        <p:spPr/>
-        <p:txBody>
-          <a:bodyPr>
-            <a:normAutofit lnSpcReduction="10000"/>
-          </a:bodyPr>
-          <a:lstStyle/>
-          <a:p>
-            <a:fld id="{C609970E-C222-41D0-B979-7AFB584A93C5}" type="slidenum">
-              <a:rPr lang="ru-RU" smtClean="0"/>
-              <a:t>9</a:t>
-            </a:fld>
-            <a:endParaRPr lang="ru-RU"/>
-          </a:p>
-        </p:txBody>
-      </p:sp>
-    </p:spTree>
-    <p:extLst>
-      <p:ext uri="{BB962C8B-B14F-4D97-AF65-F5344CB8AC3E}">
-        <p14:creationId xmlns:p14="http://schemas.microsoft.com/office/powerpoint/2010/main" val="3404621922"/>
       </p:ext>
     </p:extLst>
   </p:cSld>
